--- a/docs/diagrams/ViewAppointmentSequenceDiagram.pptx
+++ b/docs/diagrams/ViewAppointmentSequenceDiagram.pptx
@@ -208,7 +208,7 @@
           <a:p>
             <a:fld id="{F5CC4B3F-88C1-4FFA-B1B6-F41C21DC6924}" type="datetimeFigureOut">
               <a:rPr lang="en-US" smtClean="0"/>
-              <a:t>4/3/18</a:t>
+              <a:t>4/9/18</a:t>
             </a:fld>
             <a:endParaRPr lang="en-US"/>
           </a:p>
@@ -738,7 +738,7 @@
           <a:p>
             <a:fld id="{78C97017-6FC3-485B-9764-EAC9E56C1D49}" type="datetimeFigureOut">
               <a:rPr lang="en-US" smtClean="0"/>
-              <a:t>4/3/18</a:t>
+              <a:t>4/9/18</a:t>
             </a:fld>
             <a:endParaRPr lang="en-US"/>
           </a:p>
@@ -906,7 +906,7 @@
           <a:p>
             <a:fld id="{78C97017-6FC3-485B-9764-EAC9E56C1D49}" type="datetimeFigureOut">
               <a:rPr lang="en-US" smtClean="0"/>
-              <a:t>4/3/18</a:t>
+              <a:t>4/9/18</a:t>
             </a:fld>
             <a:endParaRPr lang="en-US"/>
           </a:p>
@@ -1084,7 +1084,7 @@
           <a:p>
             <a:fld id="{78C97017-6FC3-485B-9764-EAC9E56C1D49}" type="datetimeFigureOut">
               <a:rPr lang="en-US" smtClean="0"/>
-              <a:t>4/3/18</a:t>
+              <a:t>4/9/18</a:t>
             </a:fld>
             <a:endParaRPr lang="en-US"/>
           </a:p>
@@ -1252,7 +1252,7 @@
           <a:p>
             <a:fld id="{78C97017-6FC3-485B-9764-EAC9E56C1D49}" type="datetimeFigureOut">
               <a:rPr lang="en-US" smtClean="0"/>
-              <a:t>4/3/18</a:t>
+              <a:t>4/9/18</a:t>
             </a:fld>
             <a:endParaRPr lang="en-US"/>
           </a:p>
@@ -1497,7 +1497,7 @@
           <a:p>
             <a:fld id="{78C97017-6FC3-485B-9764-EAC9E56C1D49}" type="datetimeFigureOut">
               <a:rPr lang="en-US" smtClean="0"/>
-              <a:t>4/3/18</a:t>
+              <a:t>4/9/18</a:t>
             </a:fld>
             <a:endParaRPr lang="en-US"/>
           </a:p>
@@ -1782,7 +1782,7 @@
           <a:p>
             <a:fld id="{78C97017-6FC3-485B-9764-EAC9E56C1D49}" type="datetimeFigureOut">
               <a:rPr lang="en-US" smtClean="0"/>
-              <a:t>4/3/18</a:t>
+              <a:t>4/9/18</a:t>
             </a:fld>
             <a:endParaRPr lang="en-US"/>
           </a:p>
@@ -2201,7 +2201,7 @@
           <a:p>
             <a:fld id="{78C97017-6FC3-485B-9764-EAC9E56C1D49}" type="datetimeFigureOut">
               <a:rPr lang="en-US" smtClean="0"/>
-              <a:t>4/3/18</a:t>
+              <a:t>4/9/18</a:t>
             </a:fld>
             <a:endParaRPr lang="en-US"/>
           </a:p>
@@ -2318,7 +2318,7 @@
           <a:p>
             <a:fld id="{78C97017-6FC3-485B-9764-EAC9E56C1D49}" type="datetimeFigureOut">
               <a:rPr lang="en-US" smtClean="0"/>
-              <a:t>4/3/18</a:t>
+              <a:t>4/9/18</a:t>
             </a:fld>
             <a:endParaRPr lang="en-US"/>
           </a:p>
@@ -2413,7 +2413,7 @@
           <a:p>
             <a:fld id="{78C97017-6FC3-485B-9764-EAC9E56C1D49}" type="datetimeFigureOut">
               <a:rPr lang="en-US" smtClean="0"/>
-              <a:t>4/3/18</a:t>
+              <a:t>4/9/18</a:t>
             </a:fld>
             <a:endParaRPr lang="en-US"/>
           </a:p>
@@ -2688,7 +2688,7 @@
           <a:p>
             <a:fld id="{78C97017-6FC3-485B-9764-EAC9E56C1D49}" type="datetimeFigureOut">
               <a:rPr lang="en-US" smtClean="0"/>
-              <a:t>4/3/18</a:t>
+              <a:t>4/9/18</a:t>
             </a:fld>
             <a:endParaRPr lang="en-US"/>
           </a:p>
@@ -2940,7 +2940,7 @@
           <a:p>
             <a:fld id="{78C97017-6FC3-485B-9764-EAC9E56C1D49}" type="datetimeFigureOut">
               <a:rPr lang="en-US" smtClean="0"/>
-              <a:t>4/3/18</a:t>
+              <a:t>4/9/18</a:t>
             </a:fld>
             <a:endParaRPr lang="en-US"/>
           </a:p>
@@ -3151,7 +3151,7 @@
           <a:p>
             <a:fld id="{78C97017-6FC3-485B-9764-EAC9E56C1D49}" type="datetimeFigureOut">
               <a:rPr lang="en-US" smtClean="0"/>
-              <a:t>4/3/18</a:t>
+              <a:t>4/9/18</a:t>
             </a:fld>
             <a:endParaRPr lang="en-US"/>
           </a:p>
@@ -3966,8 +3966,8 @@
         </p:nvCxnSpPr>
         <p:spPr>
           <a:xfrm flipH="1">
-            <a:off x="6050604" y="3599870"/>
-            <a:ext cx="9230" cy="2650650"/>
+            <a:off x="6032611" y="3599870"/>
+            <a:ext cx="6268" cy="2878250"/>
           </a:xfrm>
           <a:prstGeom prst="line">
             <a:avLst/>
@@ -4003,8 +4003,8 @@
         </p:nvSpPr>
         <p:spPr>
           <a:xfrm>
-            <a:off x="5959837" y="3599870"/>
-            <a:ext cx="199993" cy="514931"/>
+            <a:off x="5959838" y="3599870"/>
+            <a:ext cx="158082" cy="518473"/>
           </a:xfrm>
           <a:prstGeom prst="rect">
             <a:avLst/>
@@ -4421,9 +4421,9 @@
           <p:nvPr/>
         </p:nvCxnSpPr>
         <p:spPr>
-          <a:xfrm flipV="1">
-            <a:off x="6032611" y="4564838"/>
-            <a:ext cx="1462637" cy="1"/>
+          <a:xfrm>
+            <a:off x="6032611" y="4564840"/>
+            <a:ext cx="1562505" cy="5626"/>
           </a:xfrm>
           <a:prstGeom prst="straightConnector1">
             <a:avLst/>
@@ -4498,8 +4498,8 @@
         </p:nvSpPr>
         <p:spPr>
           <a:xfrm>
-            <a:off x="6065192" y="4328621"/>
-            <a:ext cx="1650487" cy="184666"/>
+            <a:off x="5798242" y="4256022"/>
+            <a:ext cx="1874280" cy="184666"/>
           </a:xfrm>
           <a:prstGeom prst="rect">
             <a:avLst/>
@@ -5415,7 +5415,7 @@
         </p:nvCxnSpPr>
         <p:spPr>
           <a:xfrm>
-            <a:off x="7588640" y="1808120"/>
+            <a:off x="7672522" y="1808120"/>
             <a:ext cx="23678" cy="5041002"/>
           </a:xfrm>
           <a:prstGeom prst="line">
@@ -5458,8 +5458,8 @@
         </p:nvSpPr>
         <p:spPr>
           <a:xfrm>
-            <a:off x="3265530" y="1252078"/>
-            <a:ext cx="3467872" cy="646331"/>
+            <a:off x="1637212" y="1039641"/>
+            <a:ext cx="4050537" cy="738664"/>
           </a:xfrm>
           <a:prstGeom prst="rect">
             <a:avLst/>
@@ -5467,13 +5467,13 @@
           <a:noFill/>
         </p:spPr>
         <p:txBody>
-          <a:bodyPr wrap="none" rtlCol="0">
+          <a:bodyPr wrap="square" rtlCol="0">
             <a:spAutoFit/>
           </a:bodyPr>
           <a:lstStyle/>
           <a:p>
             <a:r>
-              <a:rPr lang="en-US" sz="1200" dirty="0">
+              <a:rPr lang="en-US" sz="1400" dirty="0">
                 <a:solidFill>
                   <a:srgbClr val="0070C0"/>
                 </a:solidFill>
@@ -5481,7 +5481,7 @@
               <a:t>String </a:t>
             </a:r>
             <a:r>
-              <a:rPr lang="en-US" sz="1200" dirty="0" err="1">
+              <a:rPr lang="en-US" sz="1400" dirty="0" err="1">
                 <a:solidFill>
                   <a:srgbClr val="0070C0"/>
                 </a:solidFill>
@@ -5489,7 +5489,7 @@
               <a:t>inputString</a:t>
             </a:r>
             <a:r>
-              <a:rPr lang="en-US" sz="1200" dirty="0">
+              <a:rPr lang="en-US" sz="1400" dirty="0">
                 <a:solidFill>
                   <a:srgbClr val="0070C0"/>
                 </a:solidFill>
@@ -5497,7 +5497,7 @@
               <a:t> = “</a:t>
             </a:r>
             <a:r>
-              <a:rPr lang="en-US" sz="1200" dirty="0" err="1">
+              <a:rPr lang="en-US" sz="1400" dirty="0" err="1">
                 <a:solidFill>
                   <a:srgbClr val="0070C0"/>
                 </a:solidFill>
@@ -5505,7 +5505,7 @@
               <a:t>va</a:t>
             </a:r>
             <a:r>
-              <a:rPr lang="en-US" sz="1200" dirty="0">
+              <a:rPr lang="en-US" sz="1400" dirty="0">
                 <a:solidFill>
                   <a:srgbClr val="0070C0"/>
                 </a:solidFill>
@@ -5513,7 +5513,7 @@
               <a:t> </a:t>
             </a:r>
             <a:r>
-              <a:rPr lang="en-US" sz="1200" dirty="0" err="1">
+              <a:rPr lang="en-US" sz="1400" dirty="0" err="1">
                 <a:solidFill>
                   <a:srgbClr val="0070C0"/>
                 </a:solidFill>
@@ -5521,7 +5521,7 @@
               <a:t>i</a:t>
             </a:r>
             <a:r>
-              <a:rPr lang="en-US" sz="1200" dirty="0">
+              <a:rPr lang="en-US" sz="1400" dirty="0">
                 <a:solidFill>
                   <a:srgbClr val="0070C0"/>
                 </a:solidFill>
@@ -5531,7 +5531,7 @@
           </a:p>
           <a:p>
             <a:r>
-              <a:rPr lang="en-US" sz="1200" dirty="0">
+              <a:rPr lang="en-US" sz="1400" dirty="0">
                 <a:solidFill>
                   <a:srgbClr val="0070C0"/>
                 </a:solidFill>
@@ -5539,7 +5539,7 @@
               <a:t>String </a:t>
             </a:r>
             <a:r>
-              <a:rPr lang="en-US" sz="1200" dirty="0" err="1">
+              <a:rPr lang="en-US" sz="1400" dirty="0" err="1">
                 <a:solidFill>
                   <a:srgbClr val="0070C0"/>
                 </a:solidFill>
@@ -5547,7 +5547,7 @@
               <a:t>toBeParsed</a:t>
             </a:r>
             <a:r>
-              <a:rPr lang="en-US" sz="1200" dirty="0">
+              <a:rPr lang="en-US" sz="1400" dirty="0">
                 <a:solidFill>
                   <a:srgbClr val="0070C0"/>
                 </a:solidFill>
@@ -5555,7 +5555,7 @@
               <a:t> = “</a:t>
             </a:r>
             <a:r>
-              <a:rPr lang="en-US" sz="1200" dirty="0" err="1">
+              <a:rPr lang="en-US" sz="1400" dirty="0" err="1">
                 <a:solidFill>
                   <a:srgbClr val="0070C0"/>
                 </a:solidFill>
@@ -5563,7 +5563,7 @@
               <a:t>i</a:t>
             </a:r>
             <a:r>
-              <a:rPr lang="en-US" sz="1200" dirty="0">
+              <a:rPr lang="en-US" sz="1400" dirty="0">
                 <a:solidFill>
                   <a:srgbClr val="0070C0"/>
                 </a:solidFill>
@@ -5573,7 +5573,7 @@
           </a:p>
           <a:p>
             <a:r>
-              <a:rPr lang="en-US" sz="1200" dirty="0">
+              <a:rPr lang="en-US" sz="1400" dirty="0">
                 <a:solidFill>
                   <a:srgbClr val="0070C0"/>
                 </a:solidFill>
@@ -5581,7 +5581,7 @@
               <a:t>Method 1 = “</a:t>
             </a:r>
             <a:r>
-              <a:rPr lang="en-US" sz="1200" dirty="0" err="1">
+              <a:rPr lang="en-US" sz="1400" dirty="0" err="1">
                 <a:solidFill>
                   <a:srgbClr val="0070C0"/>
                 </a:solidFill>
@@ -5589,7 +5589,7 @@
               <a:t>ShowLocationCommand</a:t>
             </a:r>
             <a:r>
-              <a:rPr lang="en-US" sz="1200" dirty="0">
+              <a:rPr lang="en-US" sz="1400" dirty="0">
                 <a:solidFill>
                   <a:srgbClr val="0070C0"/>
                 </a:solidFill>
@@ -5597,7 +5597,7 @@
               <a:t>(</a:t>
             </a:r>
             <a:r>
-              <a:rPr lang="en-US" sz="1200" dirty="0" err="1">
+              <a:rPr lang="en-US" sz="1400" dirty="0" err="1">
                 <a:solidFill>
                   <a:srgbClr val="0070C0"/>
                 </a:solidFill>
@@ -5605,7 +5605,7 @@
               <a:t>MapAddress</a:t>
             </a:r>
             <a:r>
-              <a:rPr lang="en-US" sz="1200" dirty="0">
+              <a:rPr lang="en-US" sz="1400" dirty="0">
                 <a:solidFill>
                   <a:srgbClr val="0070C0"/>
                 </a:solidFill>
@@ -5676,7 +5676,7 @@
         </p:nvSpPr>
         <p:spPr>
           <a:xfrm>
-            <a:off x="7515910" y="4563923"/>
+            <a:off x="7600575" y="4563473"/>
             <a:ext cx="199769" cy="129076"/>
           </a:xfrm>
           <a:prstGeom prst="rect">
@@ -5732,7 +5732,7 @@
         <p:spPr>
           <a:xfrm>
             <a:off x="6096958" y="4692999"/>
-            <a:ext cx="1372091" cy="0"/>
+            <a:ext cx="1599242" cy="5993"/>
           </a:xfrm>
           <a:prstGeom prst="straightConnector1">
             <a:avLst/>
@@ -5775,8 +5775,8 @@
         </p:nvSpPr>
         <p:spPr>
           <a:xfrm>
-            <a:off x="5971973" y="4703715"/>
-            <a:ext cx="1543066" cy="184666"/>
+            <a:off x="5677700" y="4691177"/>
+            <a:ext cx="1898546" cy="184666"/>
           </a:xfrm>
           <a:prstGeom prst="rect">
             <a:avLst/>
@@ -6166,7 +6166,7 @@
         </p:nvSpPr>
         <p:spPr>
           <a:xfrm>
-            <a:off x="7108558" y="4808938"/>
+            <a:off x="7085023" y="4823813"/>
             <a:ext cx="1374753" cy="184666"/>
           </a:xfrm>
           <a:prstGeom prst="rect">
@@ -6401,8 +6401,8 @@
         </p:nvSpPr>
         <p:spPr>
           <a:xfrm>
-            <a:off x="4152447" y="3650246"/>
-            <a:ext cx="1587310" cy="369332"/>
+            <a:off x="4195658" y="3639467"/>
+            <a:ext cx="1151092" cy="369332"/>
           </a:xfrm>
           <a:prstGeom prst="rect">
             <a:avLst/>

--- a/docs/diagrams/ViewAppointmentSequenceDiagram.pptx
+++ b/docs/diagrams/ViewAppointmentSequenceDiagram.pptx
@@ -208,7 +208,7 @@
           <a:p>
             <a:fld id="{F5CC4B3F-88C1-4FFA-B1B6-F41C21DC6924}" type="datetimeFigureOut">
               <a:rPr lang="en-US" smtClean="0"/>
-              <a:t>4/9/18</a:t>
+              <a:t>4/14/2018</a:t>
             </a:fld>
             <a:endParaRPr lang="en-US"/>
           </a:p>
@@ -738,7 +738,7 @@
           <a:p>
             <a:fld id="{78C97017-6FC3-485B-9764-EAC9E56C1D49}" type="datetimeFigureOut">
               <a:rPr lang="en-US" smtClean="0"/>
-              <a:t>4/9/18</a:t>
+              <a:t>4/14/2018</a:t>
             </a:fld>
             <a:endParaRPr lang="en-US"/>
           </a:p>
@@ -906,7 +906,7 @@
           <a:p>
             <a:fld id="{78C97017-6FC3-485B-9764-EAC9E56C1D49}" type="datetimeFigureOut">
               <a:rPr lang="en-US" smtClean="0"/>
-              <a:t>4/9/18</a:t>
+              <a:t>4/14/2018</a:t>
             </a:fld>
             <a:endParaRPr lang="en-US"/>
           </a:p>
@@ -1084,7 +1084,7 @@
           <a:p>
             <a:fld id="{78C97017-6FC3-485B-9764-EAC9E56C1D49}" type="datetimeFigureOut">
               <a:rPr lang="en-US" smtClean="0"/>
-              <a:t>4/9/18</a:t>
+              <a:t>4/14/2018</a:t>
             </a:fld>
             <a:endParaRPr lang="en-US"/>
           </a:p>
@@ -1252,7 +1252,7 @@
           <a:p>
             <a:fld id="{78C97017-6FC3-485B-9764-EAC9E56C1D49}" type="datetimeFigureOut">
               <a:rPr lang="en-US" smtClean="0"/>
-              <a:t>4/9/18</a:t>
+              <a:t>4/14/2018</a:t>
             </a:fld>
             <a:endParaRPr lang="en-US"/>
           </a:p>
@@ -1497,7 +1497,7 @@
           <a:p>
             <a:fld id="{78C97017-6FC3-485B-9764-EAC9E56C1D49}" type="datetimeFigureOut">
               <a:rPr lang="en-US" smtClean="0"/>
-              <a:t>4/9/18</a:t>
+              <a:t>4/14/2018</a:t>
             </a:fld>
             <a:endParaRPr lang="en-US"/>
           </a:p>
@@ -1782,7 +1782,7 @@
           <a:p>
             <a:fld id="{78C97017-6FC3-485B-9764-EAC9E56C1D49}" type="datetimeFigureOut">
               <a:rPr lang="en-US" smtClean="0"/>
-              <a:t>4/9/18</a:t>
+              <a:t>4/14/2018</a:t>
             </a:fld>
             <a:endParaRPr lang="en-US"/>
           </a:p>
@@ -2201,7 +2201,7 @@
           <a:p>
             <a:fld id="{78C97017-6FC3-485B-9764-EAC9E56C1D49}" type="datetimeFigureOut">
               <a:rPr lang="en-US" smtClean="0"/>
-              <a:t>4/9/18</a:t>
+              <a:t>4/14/2018</a:t>
             </a:fld>
             <a:endParaRPr lang="en-US"/>
           </a:p>
@@ -2318,7 +2318,7 @@
           <a:p>
             <a:fld id="{78C97017-6FC3-485B-9764-EAC9E56C1D49}" type="datetimeFigureOut">
               <a:rPr lang="en-US" smtClean="0"/>
-              <a:t>4/9/18</a:t>
+              <a:t>4/14/2018</a:t>
             </a:fld>
             <a:endParaRPr lang="en-US"/>
           </a:p>
@@ -2413,7 +2413,7 @@
           <a:p>
             <a:fld id="{78C97017-6FC3-485B-9764-EAC9E56C1D49}" type="datetimeFigureOut">
               <a:rPr lang="en-US" smtClean="0"/>
-              <a:t>4/9/18</a:t>
+              <a:t>4/14/2018</a:t>
             </a:fld>
             <a:endParaRPr lang="en-US"/>
           </a:p>
@@ -2688,7 +2688,7 @@
           <a:p>
             <a:fld id="{78C97017-6FC3-485B-9764-EAC9E56C1D49}" type="datetimeFigureOut">
               <a:rPr lang="en-US" smtClean="0"/>
-              <a:t>4/9/18</a:t>
+              <a:t>4/14/2018</a:t>
             </a:fld>
             <a:endParaRPr lang="en-US"/>
           </a:p>
@@ -2940,7 +2940,7 @@
           <a:p>
             <a:fld id="{78C97017-6FC3-485B-9764-EAC9E56C1D49}" type="datetimeFigureOut">
               <a:rPr lang="en-US" smtClean="0"/>
-              <a:t>4/9/18</a:t>
+              <a:t>4/14/2018</a:t>
             </a:fld>
             <a:endParaRPr lang="en-US"/>
           </a:p>
@@ -3151,7 +3151,7 @@
           <a:p>
             <a:fld id="{78C97017-6FC3-485B-9764-EAC9E56C1D49}" type="datetimeFigureOut">
               <a:rPr lang="en-US" smtClean="0"/>
-              <a:t>4/9/18</a:t>
+              <a:t>4/14/2018</a:t>
             </a:fld>
             <a:endParaRPr lang="en-US"/>
           </a:p>
@@ -3534,8 +3534,8 @@
         </p:nvSpPr>
         <p:spPr>
           <a:xfrm>
-            <a:off x="-263679" y="1981200"/>
-            <a:ext cx="9709278" cy="4585502"/>
+            <a:off x="-271030" y="2083327"/>
+            <a:ext cx="9841200" cy="4536565"/>
           </a:xfrm>
           <a:prstGeom prst="roundRect">
             <a:avLst>
@@ -4337,7 +4337,7 @@
         </p:nvCxnSpPr>
         <p:spPr>
           <a:xfrm flipV="1">
-            <a:off x="623438" y="4516713"/>
+            <a:off x="638323" y="4416164"/>
             <a:ext cx="5323747" cy="19921"/>
           </a:xfrm>
           <a:prstGeom prst="straightConnector1">
@@ -4373,8 +4373,8 @@
         </p:nvSpPr>
         <p:spPr>
           <a:xfrm>
-            <a:off x="5956411" y="4488395"/>
-            <a:ext cx="152400" cy="1821886"/>
+            <a:off x="5956410" y="4405236"/>
+            <a:ext cx="144263" cy="1905045"/>
           </a:xfrm>
           <a:prstGeom prst="rect">
             <a:avLst/>
@@ -4422,7 +4422,7 @@
         </p:nvCxnSpPr>
         <p:spPr>
           <a:xfrm>
-            <a:off x="6032611" y="4564840"/>
+            <a:off x="6032611" y="4740971"/>
             <a:ext cx="1562505" cy="5626"/>
           </a:xfrm>
           <a:prstGeom prst="straightConnector1">
@@ -4498,7 +4498,7 @@
         </p:nvSpPr>
         <p:spPr>
           <a:xfrm>
-            <a:off x="5798242" y="4256022"/>
+            <a:off x="5806791" y="4541531"/>
             <a:ext cx="1874280" cy="184666"/>
           </a:xfrm>
           <a:prstGeom prst="rect">
@@ -5014,9 +5014,9 @@
           <p:nvPr/>
         </p:nvCxnSpPr>
         <p:spPr>
-          <a:xfrm>
-            <a:off x="3942593" y="3429000"/>
-            <a:ext cx="0" cy="990600"/>
+          <a:xfrm flipH="1">
+            <a:off x="3936565" y="3429000"/>
+            <a:ext cx="6028" cy="869418"/>
           </a:xfrm>
           <a:prstGeom prst="line">
             <a:avLst/>
@@ -5253,7 +5253,7 @@
         </p:nvSpPr>
         <p:spPr>
           <a:xfrm>
-            <a:off x="3820733" y="4328621"/>
+            <a:off x="3816685" y="4198609"/>
             <a:ext cx="258404" cy="261610"/>
           </a:xfrm>
           <a:prstGeom prst="rect">
@@ -5348,7 +5348,7 @@
         </p:nvSpPr>
         <p:spPr>
           <a:xfrm>
-            <a:off x="6848416" y="1357224"/>
+            <a:off x="7058321" y="1357518"/>
             <a:ext cx="1241266" cy="437327"/>
           </a:xfrm>
           <a:prstGeom prst="rect">
@@ -5415,7 +5415,7 @@
         </p:nvCxnSpPr>
         <p:spPr>
           <a:xfrm>
-            <a:off x="7672522" y="1808120"/>
+            <a:off x="7680317" y="1808913"/>
             <a:ext cx="23678" cy="5041002"/>
           </a:xfrm>
           <a:prstGeom prst="line">
@@ -5458,8 +5458,8 @@
         </p:nvSpPr>
         <p:spPr>
           <a:xfrm>
-            <a:off x="1637212" y="1039641"/>
-            <a:ext cx="4050537" cy="738664"/>
+            <a:off x="1637212" y="1039640"/>
+            <a:ext cx="4642953" cy="738664"/>
           </a:xfrm>
           <a:prstGeom prst="rect">
             <a:avLst/>
@@ -5676,7 +5676,7 @@
         </p:nvSpPr>
         <p:spPr>
           <a:xfrm>
-            <a:off x="7600575" y="4563473"/>
+            <a:off x="7600398" y="4729451"/>
             <a:ext cx="199769" cy="129076"/>
           </a:xfrm>
           <a:prstGeom prst="rect">
@@ -5731,7 +5731,7 @@
         </p:nvCxnSpPr>
         <p:spPr>
           <a:xfrm>
-            <a:off x="6096958" y="4692999"/>
+            <a:off x="6079712" y="4859309"/>
             <a:ext cx="1599242" cy="5993"/>
           </a:xfrm>
           <a:prstGeom prst="straightConnector1">
@@ -5775,7 +5775,7 @@
         </p:nvSpPr>
         <p:spPr>
           <a:xfrm>
-            <a:off x="5677700" y="4691177"/>
+            <a:off x="5599657" y="4834174"/>
             <a:ext cx="1898546" cy="184666"/>
           </a:xfrm>
           <a:prstGeom prst="rect">
@@ -6078,7 +6078,7 @@
         </p:nvCxnSpPr>
         <p:spPr>
           <a:xfrm>
-            <a:off x="6091983" y="5029200"/>
+            <a:off x="6115255" y="5038995"/>
             <a:ext cx="2391140" cy="0"/>
           </a:xfrm>
           <a:prstGeom prst="straightConnector1">
@@ -6122,7 +6122,7 @@
         </p:nvCxnSpPr>
         <p:spPr>
           <a:xfrm>
-            <a:off x="6120429" y="5151238"/>
+            <a:off x="6102782" y="5151688"/>
             <a:ext cx="2444218" cy="1979"/>
           </a:xfrm>
           <a:prstGeom prst="straightConnector1">
@@ -6309,7 +6309,7 @@
         </p:nvSpPr>
         <p:spPr>
           <a:xfrm>
-            <a:off x="6110526" y="5158305"/>
+            <a:off x="5999438" y="5158657"/>
             <a:ext cx="1374753" cy="184666"/>
           </a:xfrm>
           <a:prstGeom prst="rect">
@@ -6401,8 +6401,8 @@
         </p:nvSpPr>
         <p:spPr>
           <a:xfrm>
-            <a:off x="4195658" y="3639467"/>
-            <a:ext cx="1151092" cy="369332"/>
+            <a:off x="4123490" y="3609819"/>
+            <a:ext cx="1245713" cy="369332"/>
           </a:xfrm>
           <a:prstGeom prst="rect">
             <a:avLst/>
@@ -6433,6 +6433,199 @@
             <a:r>
               <a:rPr lang="en-US" sz="1200" dirty="0"/>
               <a:t>(1)</a:t>
+            </a:r>
+          </a:p>
+        </p:txBody>
+      </p:sp>
+      <p:sp>
+        <p:nvSpPr>
+          <p:cNvPr id="66" name="Rectangle 65">
+            <a:extLst>
+              <a:ext uri="{FF2B5EF4-FFF2-40B4-BE49-F238E27FC236}">
+                <a16:creationId xmlns:a16="http://schemas.microsoft.com/office/drawing/2014/main" id="{27C49939-A3EF-445F-A118-7DEBCA26956D}"/>
+              </a:ext>
+            </a:extLst>
+          </p:cNvPr>
+          <p:cNvSpPr/>
+          <p:nvPr/>
+        </p:nvSpPr>
+        <p:spPr>
+          <a:xfrm>
+            <a:off x="7590422" y="4433429"/>
+            <a:ext cx="199769" cy="79724"/>
+          </a:xfrm>
+          <a:prstGeom prst="rect">
+            <a:avLst/>
+          </a:prstGeom>
+          <a:solidFill>
+            <a:srgbClr val="0070C0"/>
+          </a:solidFill>
+          <a:ln>
+            <a:solidFill>
+              <a:srgbClr val="0070C0"/>
+            </a:solidFill>
+          </a:ln>
+          <a:effectLst/>
+        </p:spPr>
+        <p:style>
+          <a:lnRef idx="1">
+            <a:schemeClr val="accent3"/>
+          </a:lnRef>
+          <a:fillRef idx="2">
+            <a:schemeClr val="accent3"/>
+          </a:fillRef>
+          <a:effectRef idx="1">
+            <a:schemeClr val="accent3"/>
+          </a:effectRef>
+          <a:fontRef idx="minor">
+            <a:schemeClr val="dk1"/>
+          </a:fontRef>
+        </p:style>
+        <p:txBody>
+          <a:bodyPr rtlCol="0" anchor="ctr"/>
+          <a:lstStyle/>
+          <a:p>
+            <a:pPr algn="ctr"/>
+            <a:endParaRPr lang="en-SG" sz="1400"/>
+          </a:p>
+        </p:txBody>
+      </p:sp>
+      <p:cxnSp>
+        <p:nvCxnSpPr>
+          <p:cNvPr id="67" name="Straight Arrow Connector 66">
+            <a:extLst>
+              <a:ext uri="{FF2B5EF4-FFF2-40B4-BE49-F238E27FC236}">
+                <a16:creationId xmlns:a16="http://schemas.microsoft.com/office/drawing/2014/main" id="{6F6EB5CF-CD18-461D-8FF5-055653B333D3}"/>
+              </a:ext>
+            </a:extLst>
+          </p:cNvPr>
+          <p:cNvCxnSpPr>
+            <a:cxnSpLocks/>
+          </p:cNvCxnSpPr>
+          <p:nvPr/>
+        </p:nvCxnSpPr>
+        <p:spPr>
+          <a:xfrm flipV="1">
+            <a:off x="6063176" y="4522450"/>
+            <a:ext cx="1517528" cy="8836"/>
+          </a:xfrm>
+          <a:prstGeom prst="straightConnector1">
+            <a:avLst/>
+          </a:prstGeom>
+          <a:ln w="19050">
+            <a:solidFill>
+              <a:srgbClr val="0070C0"/>
+            </a:solidFill>
+            <a:prstDash val="sysDash"/>
+            <a:headEnd type="arrow" w="med" len="med"/>
+            <a:tailEnd type="none" w="med" len="med"/>
+          </a:ln>
+        </p:spPr>
+        <p:style>
+          <a:lnRef idx="1">
+            <a:schemeClr val="accent1"/>
+          </a:lnRef>
+          <a:fillRef idx="0">
+            <a:schemeClr val="accent1"/>
+          </a:fillRef>
+          <a:effectRef idx="0">
+            <a:schemeClr val="accent1"/>
+          </a:effectRef>
+          <a:fontRef idx="minor">
+            <a:schemeClr val="tx1"/>
+          </a:fontRef>
+        </p:style>
+      </p:cxnSp>
+      <p:cxnSp>
+        <p:nvCxnSpPr>
+          <p:cNvPr id="70" name="Straight Arrow Connector 69">
+            <a:extLst>
+              <a:ext uri="{FF2B5EF4-FFF2-40B4-BE49-F238E27FC236}">
+                <a16:creationId xmlns:a16="http://schemas.microsoft.com/office/drawing/2014/main" id="{8C787166-167B-4CFA-895D-F93F096CEE1F}"/>
+              </a:ext>
+            </a:extLst>
+          </p:cNvPr>
+          <p:cNvCxnSpPr>
+            <a:cxnSpLocks/>
+          </p:cNvCxnSpPr>
+          <p:nvPr/>
+        </p:nvCxnSpPr>
+        <p:spPr>
+          <a:xfrm flipV="1">
+            <a:off x="6108426" y="4435721"/>
+            <a:ext cx="1481996" cy="13871"/>
+          </a:xfrm>
+          <a:prstGeom prst="straightConnector1">
+            <a:avLst/>
+          </a:prstGeom>
+          <a:ln w="19050">
+            <a:solidFill>
+              <a:srgbClr val="0070C0"/>
+            </a:solidFill>
+            <a:tailEnd type="arrow"/>
+          </a:ln>
+        </p:spPr>
+        <p:style>
+          <a:lnRef idx="1">
+            <a:schemeClr val="accent1"/>
+          </a:lnRef>
+          <a:fillRef idx="0">
+            <a:schemeClr val="accent1"/>
+          </a:fillRef>
+          <a:effectRef idx="0">
+            <a:schemeClr val="accent1"/>
+          </a:effectRef>
+          <a:fontRef idx="minor">
+            <a:schemeClr val="tx1"/>
+          </a:fontRef>
+        </p:style>
+      </p:cxnSp>
+      <p:sp>
+        <p:nvSpPr>
+          <p:cNvPr id="72" name="TextBox 71">
+            <a:extLst>
+              <a:ext uri="{FF2B5EF4-FFF2-40B4-BE49-F238E27FC236}">
+                <a16:creationId xmlns:a16="http://schemas.microsoft.com/office/drawing/2014/main" id="{B4F653B3-4885-4A55-B474-D81406BF7D06}"/>
+              </a:ext>
+            </a:extLst>
+          </p:cNvPr>
+          <p:cNvSpPr txBox="1"/>
+          <p:nvPr/>
+        </p:nvSpPr>
+        <p:spPr>
+          <a:xfrm>
+            <a:off x="5832558" y="4208071"/>
+            <a:ext cx="1874280" cy="184666"/>
+          </a:xfrm>
+          <a:prstGeom prst="rect">
+            <a:avLst/>
+          </a:prstGeom>
+          <a:noFill/>
+        </p:spPr>
+        <p:txBody>
+          <a:bodyPr wrap="square" lIns="0" tIns="0" rIns="0" bIns="0" rtlCol="0">
+            <a:spAutoFit/>
+          </a:bodyPr>
+          <a:lstStyle>
+            <a:defPPr>
+              <a:defRPr lang="en-US"/>
+            </a:defPPr>
+            <a:lvl1pPr algn="r">
+              <a:defRPr sz="1400">
+                <a:solidFill>
+                  <a:srgbClr val="0070C0"/>
+                </a:solidFill>
+              </a:defRPr>
+            </a:lvl1pPr>
+          </a:lstStyle>
+          <a:p>
+            <a:r>
+              <a:rPr lang="en-US" sz="1200" dirty="0" err="1"/>
+              <a:t>getIsListingAppointments</a:t>
+            </a:r>
+            <a:r>
+              <a:rPr lang="en-US" sz="1200" dirty="0"/>
+              <a:t>()</a:t>
             </a:r>
           </a:p>
         </p:txBody>
